--- a/Tema0/Tema0-Presentacion.pptx
+++ b/Tema0/Tema0-Presentacion.pptx
@@ -3356,6 +3356,16 @@
               <a:t>Imágenes en CSS</a:t>
             </a:r>
           </a:p>
+          <a:p>
+            <a:pPr lvl="1" marL="457200" indent="-228600" algn="l">
+              <a:buSzPct val="100000"/>
+              <a:buChar char="•"/>
+              <a:defRPr sz="4800"/>
+            </a:pPr>
+            <a:r>
+              <a:t>Media Queries</a:t>
+            </a:r>
+          </a:p>
         </p:txBody>
       </p:sp>
     </p:spTree>
@@ -3423,93 +3433,101 @@
         <p:spPr>
           <a:xfrm>
             <a:off x="457200" y="2351583"/>
-            <a:ext cx="12190363" cy="7505751"/>
+            <a:ext cx="12190363" cy="7034610"/>
           </a:xfrm>
           <a:prstGeom prst="rect">
             <a:avLst/>
           </a:prstGeom>
         </p:spPr>
         <p:txBody>
-          <a:bodyPr>
-            <a:noAutofit/>
-          </a:bodyPr>
+          <a:bodyPr/>
           <a:lstStyle/>
           <a:p>
-            <a:pPr algn="l">
-              <a:defRPr sz="4800"/>
+            <a:pPr algn="l" defTabSz="554990">
+              <a:defRPr sz="4560"/>
             </a:pPr>
             <a:r>
               <a:t>Tema 4. HTML5 en profundidad</a:t>
             </a:r>
           </a:p>
           <a:p>
-            <a:pPr lvl="1" marL="457200" indent="-228600" algn="l">
+            <a:pPr lvl="1" marL="434340" indent="-217170" algn="l" defTabSz="554990">
               <a:buSzPct val="100000"/>
               <a:buChar char="•"/>
-              <a:defRPr sz="4800"/>
+              <a:defRPr sz="4560"/>
             </a:pPr>
             <a:r>
               <a:t>Semántica HTML5 y cambios con HTML4</a:t>
             </a:r>
           </a:p>
           <a:p>
-            <a:pPr lvl="1" marL="457200" indent="-228600" algn="l">
+            <a:pPr lvl="1" marL="434340" indent="-217170" algn="l" defTabSz="554990">
               <a:buSzPct val="100000"/>
               <a:buChar char="•"/>
-              <a:defRPr sz="4800"/>
+              <a:defRPr sz="4560"/>
             </a:pPr>
             <a:r>
-              <a:t>Metadatos</a:t>
-            </a:r>
-          </a:p>
-          <a:p>
-            <a:pPr lvl="1" marL="457200" indent="-228600" algn="l">
+              <a:t>Nuevas etiquetas: header, nav, section, article, aside, footer</a:t>
+            </a:r>
+          </a:p>
+          <a:p>
+            <a:pPr lvl="1" marL="434340" indent="-217170" algn="l" defTabSz="554990">
               <a:buSzPct val="100000"/>
               <a:buChar char="•"/>
-              <a:defRPr sz="4800"/>
+              <a:defRPr sz="4560"/>
             </a:pPr>
             <a:r>
-              <a:t>Nuevas etiquetas: header, nav, section, article, aside, footer</a:t>
-            </a:r>
-          </a:p>
-          <a:p>
-            <a:pPr lvl="1" marL="457200" indent="-228600" algn="l">
+              <a:t>Otras etiquetas: figure, figcaption, time</a:t>
+            </a:r>
+          </a:p>
+          <a:p>
+            <a:pPr lvl="1" marL="434340" indent="-217170" algn="l" defTabSz="554990">
               <a:buSzPct val="100000"/>
               <a:buChar char="•"/>
-              <a:defRPr sz="4800"/>
+              <a:defRPr sz="4560"/>
             </a:pPr>
             <a:r>
-              <a:t>Otras etiquetas: figure, figcaption, time</a:t>
-            </a:r>
-          </a:p>
-          <a:p>
-            <a:pPr lvl="1" marL="457200" indent="-228600" algn="l">
+              <a:t>Novedades para los formularios</a:t>
+            </a:r>
+          </a:p>
+          <a:p>
+            <a:pPr lvl="1" marL="434340" indent="-217170" algn="l" defTabSz="554990">
               <a:buSzPct val="100000"/>
               <a:buChar char="•"/>
-              <a:defRPr sz="4800"/>
+              <a:defRPr sz="4560"/>
             </a:pPr>
             <a:r>
               <a:t>Multimedia:</a:t>
             </a:r>
           </a:p>
           <a:p>
-            <a:pPr lvl="2" marL="1481666" indent="-592666" algn="l">
+            <a:pPr lvl="2" marL="1407583" indent="-563033" algn="l" defTabSz="554990">
               <a:buSzPct val="75000"/>
               <a:buChar char="•"/>
-              <a:defRPr sz="4800"/>
+              <a:defRPr sz="4560"/>
             </a:pPr>
             <a:r>
               <a:t>Etiqueta video</a:t>
             </a:r>
           </a:p>
           <a:p>
-            <a:pPr lvl="2" marL="1481666" indent="-592666" algn="l">
+            <a:pPr lvl="2" marL="1407583" indent="-563033" algn="l" defTabSz="554990">
               <a:buSzPct val="75000"/>
               <a:buChar char="•"/>
-              <a:defRPr sz="4800"/>
+              <a:defRPr sz="4560"/>
             </a:pPr>
             <a:r>
               <a:t>Etiqueta audio</a:t>
+            </a:r>
+          </a:p>
+          <a:p>
+            <a:pPr lvl="1" marL="434340" indent="-217170" algn="l" defTabSz="554990">
+              <a:buSzPct val="100000"/>
+              <a:buChar char="•"/>
+              <a:defRPr sz="4560"/>
+            </a:pPr>
+            <a:r>
+              <a:t>Microdatos</a:t>
             </a:r>
           </a:p>
         </p:txBody>
